--- a/ITI/TF/Volume1/media/Figure_15.3-1.pptx
+++ b/ITI/TF/Volume1/media/Figure_15.3-1.pptx
@@ -104,6 +104,11 @@
       </a:defRPr>
     </a:lvl9pPr>
   </p:defaultTextStyle>
+  <p:extLst>
+    <p:ext uri="{EFAFB233-063F-42B5-8137-9DF3F51BA10A}">
+      <p15:sldGuideLst xmlns:p15="http://schemas.microsoft.com/office/powerpoint/2012/main"/>
+    </p:ext>
+  </p:extLst>
 </p:presentation>
 </file>
 
@@ -254,7 +259,7 @@
           <a:p>
             <a:fld id="{B29B4301-328B-AD41-B3C2-E2CD8152E857}" type="datetimeFigureOut">
               <a:rPr lang="en-US" smtClean="0"/>
-              <a:t>8/10/20</a:t>
+              <a:t>8/26/20</a:t>
             </a:fld>
             <a:endParaRPr lang="en-US"/>
           </a:p>
@@ -452,7 +457,7 @@
           <a:p>
             <a:fld id="{B29B4301-328B-AD41-B3C2-E2CD8152E857}" type="datetimeFigureOut">
               <a:rPr lang="en-US" smtClean="0"/>
-              <a:t>8/10/20</a:t>
+              <a:t>8/26/20</a:t>
             </a:fld>
             <a:endParaRPr lang="en-US"/>
           </a:p>
@@ -660,7 +665,7 @@
           <a:p>
             <a:fld id="{B29B4301-328B-AD41-B3C2-E2CD8152E857}" type="datetimeFigureOut">
               <a:rPr lang="en-US" smtClean="0"/>
-              <a:t>8/10/20</a:t>
+              <a:t>8/26/20</a:t>
             </a:fld>
             <a:endParaRPr lang="en-US"/>
           </a:p>
@@ -858,7 +863,7 @@
           <a:p>
             <a:fld id="{B29B4301-328B-AD41-B3C2-E2CD8152E857}" type="datetimeFigureOut">
               <a:rPr lang="en-US" smtClean="0"/>
-              <a:t>8/10/20</a:t>
+              <a:t>8/26/20</a:t>
             </a:fld>
             <a:endParaRPr lang="en-US"/>
           </a:p>
@@ -1133,7 +1138,7 @@
           <a:p>
             <a:fld id="{B29B4301-328B-AD41-B3C2-E2CD8152E857}" type="datetimeFigureOut">
               <a:rPr lang="en-US" smtClean="0"/>
-              <a:t>8/10/20</a:t>
+              <a:t>8/26/20</a:t>
             </a:fld>
             <a:endParaRPr lang="en-US"/>
           </a:p>
@@ -1398,7 +1403,7 @@
           <a:p>
             <a:fld id="{B29B4301-328B-AD41-B3C2-E2CD8152E857}" type="datetimeFigureOut">
               <a:rPr lang="en-US" smtClean="0"/>
-              <a:t>8/10/20</a:t>
+              <a:t>8/26/20</a:t>
             </a:fld>
             <a:endParaRPr lang="en-US"/>
           </a:p>
@@ -1810,7 +1815,7 @@
           <a:p>
             <a:fld id="{B29B4301-328B-AD41-B3C2-E2CD8152E857}" type="datetimeFigureOut">
               <a:rPr lang="en-US" smtClean="0"/>
-              <a:t>8/10/20</a:t>
+              <a:t>8/26/20</a:t>
             </a:fld>
             <a:endParaRPr lang="en-US"/>
           </a:p>
@@ -1951,7 +1956,7 @@
           <a:p>
             <a:fld id="{B29B4301-328B-AD41-B3C2-E2CD8152E857}" type="datetimeFigureOut">
               <a:rPr lang="en-US" smtClean="0"/>
-              <a:t>8/10/20</a:t>
+              <a:t>8/26/20</a:t>
             </a:fld>
             <a:endParaRPr lang="en-US"/>
           </a:p>
@@ -2064,7 +2069,7 @@
           <a:p>
             <a:fld id="{B29B4301-328B-AD41-B3C2-E2CD8152E857}" type="datetimeFigureOut">
               <a:rPr lang="en-US" smtClean="0"/>
-              <a:t>8/10/20</a:t>
+              <a:t>8/26/20</a:t>
             </a:fld>
             <a:endParaRPr lang="en-US"/>
           </a:p>
@@ -2375,7 +2380,7 @@
           <a:p>
             <a:fld id="{B29B4301-328B-AD41-B3C2-E2CD8152E857}" type="datetimeFigureOut">
               <a:rPr lang="en-US" smtClean="0"/>
-              <a:t>8/10/20</a:t>
+              <a:t>8/26/20</a:t>
             </a:fld>
             <a:endParaRPr lang="en-US"/>
           </a:p>
@@ -2663,7 +2668,7 @@
           <a:p>
             <a:fld id="{B29B4301-328B-AD41-B3C2-E2CD8152E857}" type="datetimeFigureOut">
               <a:rPr lang="en-US" smtClean="0"/>
-              <a:t>8/10/20</a:t>
+              <a:t>8/26/20</a:t>
             </a:fld>
             <a:endParaRPr lang="en-US"/>
           </a:p>
@@ -2904,7 +2909,7 @@
           <a:p>
             <a:fld id="{B29B4301-328B-AD41-B3C2-E2CD8152E857}" type="datetimeFigureOut">
               <a:rPr lang="en-US" smtClean="0"/>
-              <a:t>8/10/20</a:t>
+              <a:t>8/26/20</a:t>
             </a:fld>
             <a:endParaRPr lang="en-US"/>
           </a:p>
@@ -3338,7 +3343,7 @@
         <p:spPr bwMode="auto">
           <a:xfrm flipH="1" flipV="1">
             <a:off x="304800" y="644525"/>
-            <a:ext cx="0" cy="831850"/>
+            <a:ext cx="0" cy="984104"/>
           </a:xfrm>
           <a:prstGeom prst="line">
             <a:avLst/>
@@ -3369,7 +3374,10 @@
           </a:bodyPr>
           <a:lstStyle/>
           <a:p>
-            <a:endParaRPr lang="en-US"/>
+            <a:endParaRPr lang="en-US">
+              <a:latin typeface="Times New Roman" panose="02020603050405020304" pitchFamily="18" charset="0"/>
+              <a:cs typeface="Times New Roman" panose="02020603050405020304" pitchFamily="18" charset="0"/>
+            </a:endParaRPr>
           </a:p>
         </p:txBody>
       </p:sp>
@@ -3389,8 +3397,8 @@
         </p:nvSpPr>
         <p:spPr bwMode="auto">
           <a:xfrm>
-            <a:off x="57150" y="457200"/>
-            <a:ext cx="3389313" cy="238125"/>
+            <a:off x="-411200" y="457200"/>
+            <a:ext cx="4486352" cy="281709"/>
           </a:xfrm>
           <a:prstGeom prst="rect">
             <a:avLst/>
@@ -3439,7 +3447,7 @@
               <a:tabLst/>
             </a:pPr>
             <a:r>
-              <a:rPr kumimoji="0" lang="en-US" altLang="en-US" sz="1200" b="0" i="0" u="none" strike="noStrike" cap="none" normalizeH="0" baseline="0">
+              <a:rPr kumimoji="0" lang="en-US" altLang="en-US" sz="1200" b="0" i="0" u="none" strike="noStrike" cap="none" normalizeH="0" baseline="0" dirty="0">
                 <a:ln>
                   <a:noFill/>
                 </a:ln>
@@ -3447,13 +3455,14 @@
                   <a:schemeClr val="tx1"/>
                 </a:solidFill>
                 <a:effectLst/>
-                <a:latin typeface="Arial" panose="020B0604020202020204" pitchFamily="34" charset="0"/>
+                <a:latin typeface="Times New Roman" panose="02020603050405020304" pitchFamily="18" charset="0"/>
                 <a:ea typeface="Times New Roman" panose="02020603050405020304" pitchFamily="18" charset="0"/>
+                <a:cs typeface="Times New Roman" panose="02020603050405020304" pitchFamily="18" charset="0"/>
               </a:rPr>
               <a:t>Document Source</a:t>
             </a:r>
             <a:r>
-              <a:rPr kumimoji="0" lang="en-US" altLang="en-US" sz="1200" b="1" i="0" u="sng" strike="noStrike" cap="none" normalizeH="0" baseline="0">
+              <a:rPr kumimoji="0" lang="en-US" altLang="en-US" sz="1200" b="1" i="0" u="sng" strike="noStrike" cap="none" normalizeH="0" baseline="0" dirty="0">
                 <a:ln>
                   <a:noFill/>
                 </a:ln>
@@ -3461,13 +3470,14 @@
                   <a:schemeClr val="tx1"/>
                 </a:solidFill>
                 <a:effectLst/>
-                <a:latin typeface="Arial" panose="020B0604020202020204" pitchFamily="34" charset="0"/>
+                <a:latin typeface="Times New Roman" panose="02020603050405020304" pitchFamily="18" charset="0"/>
                 <a:ea typeface="Times New Roman" panose="02020603050405020304" pitchFamily="18" charset="0"/>
+                <a:cs typeface="Times New Roman" panose="02020603050405020304" pitchFamily="18" charset="0"/>
               </a:rPr>
               <a:t>/</a:t>
             </a:r>
             <a:r>
-              <a:rPr kumimoji="0" lang="en-US" altLang="en-US" sz="1200" b="0" i="0" u="none" strike="noStrike" cap="none" normalizeH="0" baseline="0">
+              <a:rPr kumimoji="0" lang="en-US" altLang="en-US" sz="1200" b="0" i="0" u="none" strike="noStrike" cap="none" normalizeH="0" baseline="0" dirty="0">
                 <a:ln>
                   <a:noFill/>
                 </a:ln>
@@ -3475,12 +3485,13 @@
                   <a:schemeClr val="tx1"/>
                 </a:solidFill>
                 <a:effectLst/>
-                <a:latin typeface="Arial" panose="020B0604020202020204" pitchFamily="34" charset="0"/>
+                <a:latin typeface="Times New Roman" panose="02020603050405020304" pitchFamily="18" charset="0"/>
                 <a:ea typeface="Times New Roman" panose="02020603050405020304" pitchFamily="18" charset="0"/>
+                <a:cs typeface="Times New Roman" panose="02020603050405020304" pitchFamily="18" charset="0"/>
               </a:rPr>
               <a:t>Metadata-Limited Document Source</a:t>
             </a:r>
-            <a:endParaRPr kumimoji="0" lang="en-US" altLang="en-US" sz="1800" b="0" i="0" u="none" strike="noStrike" cap="none" normalizeH="0" baseline="0">
+            <a:endParaRPr kumimoji="0" lang="en-US" altLang="en-US" sz="1800" b="0" i="0" u="none" strike="noStrike" cap="none" normalizeH="0" baseline="0" dirty="0">
               <a:ln>
                 <a:noFill/>
               </a:ln>
@@ -3488,7 +3499,8 @@
                 <a:schemeClr val="tx1"/>
               </a:solidFill>
               <a:effectLst/>
-              <a:latin typeface="Arial" panose="020B0604020202020204" pitchFamily="34" charset="0"/>
+              <a:latin typeface="Times New Roman" panose="02020603050405020304" pitchFamily="18" charset="0"/>
+              <a:cs typeface="Times New Roman" panose="02020603050405020304" pitchFamily="18" charset="0"/>
             </a:endParaRPr>
           </a:p>
         </p:txBody>
@@ -3510,7 +3522,7 @@
         <p:spPr bwMode="auto">
           <a:xfrm>
             <a:off x="3571875" y="457200"/>
-            <a:ext cx="1611313" cy="238125"/>
+            <a:ext cx="2132856" cy="281709"/>
           </a:xfrm>
           <a:prstGeom prst="rect">
             <a:avLst/>
@@ -3567,8 +3579,9 @@
                   <a:schemeClr val="tx1"/>
                 </a:solidFill>
                 <a:effectLst/>
-                <a:latin typeface="Arial" panose="020B0604020202020204" pitchFamily="34" charset="0"/>
+                <a:latin typeface="Times New Roman" panose="02020603050405020304" pitchFamily="18" charset="0"/>
                 <a:ea typeface="Times New Roman" panose="02020603050405020304" pitchFamily="18" charset="0"/>
+                <a:cs typeface="Times New Roman" panose="02020603050405020304" pitchFamily="18" charset="0"/>
               </a:rPr>
               <a:t>Document Recipient</a:t>
             </a:r>
@@ -3580,7 +3593,8 @@
                 <a:schemeClr val="tx1"/>
               </a:solidFill>
               <a:effectLst/>
-              <a:latin typeface="Arial" panose="020B0604020202020204" pitchFamily="34" charset="0"/>
+              <a:latin typeface="Times New Roman" panose="02020603050405020304" pitchFamily="18" charset="0"/>
+              <a:cs typeface="Times New Roman" panose="02020603050405020304" pitchFamily="18" charset="0"/>
             </a:endParaRPr>
           </a:p>
         </p:txBody>
@@ -3602,7 +3616,7 @@
         <p:spPr bwMode="auto">
           <a:xfrm flipH="1" flipV="1">
             <a:off x="4362450" y="644525"/>
-            <a:ext cx="0" cy="831850"/>
+            <a:ext cx="0" cy="984104"/>
           </a:xfrm>
           <a:prstGeom prst="line">
             <a:avLst/>
@@ -3633,7 +3647,10 @@
           </a:bodyPr>
           <a:lstStyle/>
           <a:p>
-            <a:endParaRPr lang="en-US"/>
+            <a:endParaRPr lang="en-US">
+              <a:latin typeface="Times New Roman" panose="02020603050405020304" pitchFamily="18" charset="0"/>
+              <a:cs typeface="Times New Roman" panose="02020603050405020304" pitchFamily="18" charset="0"/>
+            </a:endParaRPr>
           </a:p>
         </p:txBody>
       </p:sp>
@@ -3653,8 +3670,8 @@
         </p:nvSpPr>
         <p:spPr bwMode="auto">
           <a:xfrm>
-            <a:off x="207963" y="781050"/>
-            <a:ext cx="182562" cy="608013"/>
+            <a:off x="207962" y="781050"/>
+            <a:ext cx="241653" cy="719298"/>
           </a:xfrm>
           <a:prstGeom prst="rect">
             <a:avLst/>
@@ -3679,7 +3696,10 @@
           </a:bodyPr>
           <a:lstStyle/>
           <a:p>
-            <a:endParaRPr lang="en-US"/>
+            <a:endParaRPr lang="en-US">
+              <a:latin typeface="Times New Roman" panose="02020603050405020304" pitchFamily="18" charset="0"/>
+              <a:cs typeface="Times New Roman" panose="02020603050405020304" pitchFamily="18" charset="0"/>
+            </a:endParaRPr>
           </a:p>
         </p:txBody>
       </p:sp>
@@ -3700,7 +3720,7 @@
         <p:spPr bwMode="auto">
           <a:xfrm>
             <a:off x="4267200" y="781050"/>
-            <a:ext cx="182563" cy="608013"/>
+            <a:ext cx="241654" cy="719298"/>
           </a:xfrm>
           <a:prstGeom prst="rect">
             <a:avLst/>
@@ -3725,7 +3745,10 @@
           </a:bodyPr>
           <a:lstStyle/>
           <a:p>
-            <a:endParaRPr lang="en-US"/>
+            <a:endParaRPr lang="en-US">
+              <a:latin typeface="Times New Roman" panose="02020603050405020304" pitchFamily="18" charset="0"/>
+              <a:cs typeface="Times New Roman" panose="02020603050405020304" pitchFamily="18" charset="0"/>
+            </a:endParaRPr>
           </a:p>
         </p:txBody>
       </p:sp>
@@ -3744,9 +3767,9 @@
           <p:nvPr/>
         </p:nvSpPr>
         <p:spPr bwMode="auto">
-          <a:xfrm flipH="1" flipV="1">
-            <a:off x="390525" y="1330325"/>
-            <a:ext cx="3876675" cy="0"/>
+          <a:xfrm flipH="1">
+            <a:off x="457199" y="1357961"/>
+            <a:ext cx="3809993" cy="3"/>
           </a:xfrm>
           <a:prstGeom prst="line">
             <a:avLst/>
@@ -3776,7 +3799,10 @@
           </a:bodyPr>
           <a:lstStyle/>
           <a:p>
-            <a:endParaRPr lang="en-US"/>
+            <a:endParaRPr lang="en-US">
+              <a:latin typeface="Times New Roman" panose="02020603050405020304" pitchFamily="18" charset="0"/>
+              <a:cs typeface="Times New Roman" panose="02020603050405020304" pitchFamily="18" charset="0"/>
+            </a:endParaRPr>
           </a:p>
         </p:txBody>
       </p:sp>
@@ -3796,8 +3822,8 @@
         </p:nvSpPr>
         <p:spPr bwMode="auto">
           <a:xfrm>
-            <a:off x="1071563" y="1101725"/>
-            <a:ext cx="2374900" cy="180975"/>
+            <a:off x="815086" y="1101725"/>
+            <a:ext cx="3143598" cy="214099"/>
           </a:xfrm>
           <a:prstGeom prst="rect">
             <a:avLst/>
@@ -3851,7 +3877,7 @@
               <a:tabLst/>
             </a:pPr>
             <a:r>
-              <a:rPr kumimoji="0" lang="en-US" altLang="en-US" sz="1200" b="0" i="0" u="none" strike="noStrike" cap="none" normalizeH="0" baseline="0">
+              <a:rPr kumimoji="0" lang="en-US" altLang="en-US" sz="1200" b="0" i="0" u="none" strike="noStrike" cap="none" normalizeH="0" baseline="0" dirty="0">
                 <a:ln>
                   <a:noFill/>
                 </a:ln>
@@ -3859,12 +3885,13 @@
                   <a:schemeClr val="tx1"/>
                 </a:solidFill>
                 <a:effectLst/>
-                <a:latin typeface="Arial" panose="020B0604020202020204" pitchFamily="34" charset="0"/>
+                <a:latin typeface="Times New Roman" panose="02020603050405020304" pitchFamily="18" charset="0"/>
                 <a:ea typeface="Times New Roman" panose="02020603050405020304" pitchFamily="18" charset="0"/>
+                <a:cs typeface="Times New Roman" panose="02020603050405020304" pitchFamily="18" charset="0"/>
               </a:rPr>
               <a:t>Provide and Register Document Set-b [ITI-41]</a:t>
             </a:r>
-            <a:endParaRPr kumimoji="0" lang="en-US" altLang="en-US" sz="1800" b="0" i="0" u="none" strike="noStrike" cap="none" normalizeH="0" baseline="0">
+            <a:endParaRPr kumimoji="0" lang="en-US" altLang="en-US" sz="1800" b="0" i="0" u="none" strike="noStrike" cap="none" normalizeH="0" baseline="0" dirty="0">
               <a:ln>
                 <a:noFill/>
               </a:ln>
@@ -3872,7 +3899,8 @@
                 <a:schemeClr val="tx1"/>
               </a:solidFill>
               <a:effectLst/>
-              <a:latin typeface="Arial" panose="020B0604020202020204" pitchFamily="34" charset="0"/>
+              <a:latin typeface="Times New Roman" panose="02020603050405020304" pitchFamily="18" charset="0"/>
+              <a:cs typeface="Times New Roman" panose="02020603050405020304" pitchFamily="18" charset="0"/>
             </a:endParaRPr>
           </a:p>
         </p:txBody>
